--- a/Trilateration Solved_ The Benefits of Using a REST API.pptx
+++ b/Trilateration Solved_ The Benefits of Using a REST API.pptx
@@ -1263,7 +1263,7 @@
         </p:nvSpPr>
         <p:spPr>
           <a:xfrm>
-            <a:off x="381300" y="685800"/>
+            <a:off x="381000" y="685800"/>
             <a:ext cx="6096000" cy="3429000"/>
           </a:xfrm>
           <a:custGeom>
@@ -1575,7 +1575,7 @@
         </p:nvSpPr>
         <p:spPr>
           <a:xfrm>
-            <a:off x="381300" y="685800"/>
+            <a:off x="381000" y="685800"/>
             <a:ext cx="6096000" cy="3429000"/>
           </a:xfrm>
           <a:custGeom>
@@ -1679,7 +1679,7 @@
         </p:nvSpPr>
         <p:spPr>
           <a:xfrm>
-            <a:off x="381300" y="685800"/>
+            <a:off x="381000" y="685800"/>
             <a:ext cx="6096000" cy="3429000"/>
           </a:xfrm>
           <a:custGeom>
@@ -7265,7 +7265,7 @@
         </p:nvGraphicFramePr>
         <p:xfrm>
           <a:off x="952500" y="2138775"/>
-          <a:ext cx="3000000" cy="3000000"/>
+          <a:ext cx="7239000" cy="2224920"/>
         </p:xfrm>
         <a:graphic>
           <a:graphicData uri="http://schemas.openxmlformats.org/drawingml/2006/table">
@@ -7704,8 +7704,8 @@
         </p:blipFill>
         <p:spPr>
           <a:xfrm>
-            <a:off x="0" y="-37825"/>
-            <a:ext cx="9144000" cy="5166360"/>
+            <a:off x="0" y="-37826"/>
+            <a:ext cx="9144000" cy="5181325"/>
           </a:xfrm>
           <a:prstGeom prst="rect">
             <a:avLst/>
